--- a/מדעי הנתונים אמיר לוי (1).pptx
+++ b/מדעי הנתונים אמיר לוי (1).pptx
@@ -12330,7 +12330,7 @@
           <a:p>
             <a:fld id="{75528CD6-91D4-4C88-B7FB-BF570B3821B2}" type="datetimeFigureOut">
               <a:rPr lang="he-IL" smtClean="0"/>
-              <a:t>ט'/אב/תשפ"א</a:t>
+              <a:t>י"ב/אב/תשפ"א</a:t>
             </a:fld>
             <a:endParaRPr lang="he-IL"/>
           </a:p>
@@ -12937,7 +12937,7 @@
           <a:p>
             <a:fld id="{11EAACC7-3B3F-47D1-959A-EF58926E955E}" type="datetimeFigureOut">
               <a:rPr lang="en-US" smtClean="0"/>
-              <a:t>7/18/2021</a:t>
+              <a:t>7/21/2021</a:t>
             </a:fld>
             <a:endParaRPr lang="en-US"/>
           </a:p>
@@ -13135,7 +13135,7 @@
           <a:p>
             <a:fld id="{11EAACC7-3B3F-47D1-959A-EF58926E955E}" type="datetimeFigureOut">
               <a:rPr lang="en-US" smtClean="0"/>
-              <a:t>7/18/2021</a:t>
+              <a:t>7/21/2021</a:t>
             </a:fld>
             <a:endParaRPr lang="en-US"/>
           </a:p>
@@ -13343,7 +13343,7 @@
           <a:p>
             <a:fld id="{11EAACC7-3B3F-47D1-959A-EF58926E955E}" type="datetimeFigureOut">
               <a:rPr lang="en-US" smtClean="0"/>
-              <a:t>7/18/2021</a:t>
+              <a:t>7/21/2021</a:t>
             </a:fld>
             <a:endParaRPr lang="en-US"/>
           </a:p>
@@ -13572,7 +13572,7 @@
           <a:p>
             <a:fld id="{11EAACC7-3B3F-47D1-959A-EF58926E955E}" type="datetimeFigureOut">
               <a:rPr lang="en-US" smtClean="0"/>
-              <a:t>7/18/2021</a:t>
+              <a:t>7/21/2021</a:t>
             </a:fld>
             <a:endParaRPr lang="en-US" dirty="0"/>
           </a:p>
@@ -13847,7 +13847,7 @@
           <a:p>
             <a:fld id="{11EAACC7-3B3F-47D1-959A-EF58926E955E}" type="datetimeFigureOut">
               <a:rPr lang="en-US" smtClean="0"/>
-              <a:t>7/18/2021</a:t>
+              <a:t>7/21/2021</a:t>
             </a:fld>
             <a:endParaRPr lang="en-US"/>
           </a:p>
@@ -14113,7 +14113,7 @@
           <a:p>
             <a:fld id="{11EAACC7-3B3F-47D1-959A-EF58926E955E}" type="datetimeFigureOut">
               <a:rPr lang="en-US" smtClean="0"/>
-              <a:t>7/18/2021</a:t>
+              <a:t>7/21/2021</a:t>
             </a:fld>
             <a:endParaRPr lang="en-US"/>
           </a:p>
@@ -14530,7 +14530,7 @@
           <a:p>
             <a:fld id="{11EAACC7-3B3F-47D1-959A-EF58926E955E}" type="datetimeFigureOut">
               <a:rPr lang="en-US" smtClean="0"/>
-              <a:t>7/18/2021</a:t>
+              <a:t>7/21/2021</a:t>
             </a:fld>
             <a:endParaRPr lang="en-US"/>
           </a:p>
@@ -14671,7 +14671,7 @@
           <a:p>
             <a:fld id="{11EAACC7-3B3F-47D1-959A-EF58926E955E}" type="datetimeFigureOut">
               <a:rPr lang="en-US" smtClean="0"/>
-              <a:t>7/18/2021</a:t>
+              <a:t>7/21/2021</a:t>
             </a:fld>
             <a:endParaRPr lang="en-US"/>
           </a:p>
@@ -14784,7 +14784,7 @@
           <a:p>
             <a:fld id="{11EAACC7-3B3F-47D1-959A-EF58926E955E}" type="datetimeFigureOut">
               <a:rPr lang="en-US" smtClean="0"/>
-              <a:t>7/18/2021</a:t>
+              <a:t>7/21/2021</a:t>
             </a:fld>
             <a:endParaRPr lang="en-US"/>
           </a:p>
@@ -15095,7 +15095,7 @@
           <a:p>
             <a:fld id="{11EAACC7-3B3F-47D1-959A-EF58926E955E}" type="datetimeFigureOut">
               <a:rPr lang="en-US" smtClean="0"/>
-              <a:t>7/18/2021</a:t>
+              <a:t>7/21/2021</a:t>
             </a:fld>
             <a:endParaRPr lang="en-US"/>
           </a:p>
@@ -15386,7 +15386,7 @@
           <a:p>
             <a:fld id="{11EAACC7-3B3F-47D1-959A-EF58926E955E}" type="datetimeFigureOut">
               <a:rPr lang="en-US" smtClean="0"/>
-              <a:t>7/18/2021</a:t>
+              <a:t>7/21/2021</a:t>
             </a:fld>
             <a:endParaRPr lang="en-US"/>
           </a:p>
@@ -15967,7 +15967,7 @@
           <a:p>
             <a:fld id="{11EAACC7-3B3F-47D1-959A-EF58926E955E}" type="datetimeFigureOut">
               <a:rPr lang="en-US" smtClean="0"/>
-              <a:t>7/18/2021</a:t>
+              <a:t>7/21/2021</a:t>
             </a:fld>
             <a:endParaRPr lang="en-US"/>
           </a:p>
@@ -21620,7 +21620,7 @@
         </p:nvCxnSpPr>
         <p:spPr>
           <a:xfrm>
-            <a:off x="108084" y="3233012"/>
+            <a:off x="126546" y="3050132"/>
             <a:ext cx="5133977" cy="0"/>
           </a:xfrm>
           <a:prstGeom prst="line">
@@ -22884,7 +22884,7 @@
                 <a:ea typeface="Tahoma" panose="020B0604030504040204" pitchFamily="34" charset="0"/>
                 <a:cs typeface="Tahoma" panose="020B0604030504040204" pitchFamily="34" charset="0"/>
               </a:rPr>
-              <a:t>הצלחנו להסביר 56% מהשונות בסכום ההוצאות של הלקוחות. לצד זאת, ניתן לראות את ה-</a:t>
+              <a:t>הצלחתי להסביר 56% מהשונות בסכום ההוצאות של הלקוחות. לצד זאת, ניתן לראות את ה-</a:t>
             </a:r>
             <a:r>
               <a:rPr lang="en-US" dirty="0">

--- a/מדעי הנתונים אמיר לוי (1).pptx
+++ b/מדעי הנתונים אמיר לוי (1).pptx
@@ -12330,7 +12330,7 @@
           <a:p>
             <a:fld id="{75528CD6-91D4-4C88-B7FB-BF570B3821B2}" type="datetimeFigureOut">
               <a:rPr lang="he-IL" smtClean="0"/>
-              <a:t>י"ב/אב/תשפ"א</a:t>
+              <a:t>י"ג/אב/תשפ"א</a:t>
             </a:fld>
             <a:endParaRPr lang="he-IL"/>
           </a:p>
@@ -21620,7 +21620,7 @@
         </p:nvCxnSpPr>
         <p:spPr>
           <a:xfrm>
-            <a:off x="126546" y="3050132"/>
+            <a:off x="126546" y="3250157"/>
             <a:ext cx="5133977" cy="0"/>
           </a:xfrm>
           <a:prstGeom prst="line">

--- a/מדעי הנתונים אמיר לוי (1).pptx
+++ b/מדעי הנתונים אמיר לוי (1).pptx
@@ -5,7 +5,7 @@
     <p:sldMasterId id="2147483723" r:id="rId1"/>
   </p:sldMasterIdLst>
   <p:handoutMasterIdLst>
-    <p:handoutMasterId r:id="rId15"/>
+    <p:handoutMasterId r:id="rId16"/>
   </p:handoutMasterIdLst>
   <p:sldIdLst>
     <p:sldId id="256" r:id="rId2"/>
@@ -21,6 +21,7 @@
     <p:sldId id="271" r:id="rId12"/>
     <p:sldId id="275" r:id="rId13"/>
     <p:sldId id="268" r:id="rId14"/>
+    <p:sldId id="280" r:id="rId15"/>
   </p:sldIdLst>
   <p:sldSz cx="12192000" cy="6858000"/>
   <p:notesSz cx="6858000" cy="9144000"/>
@@ -4990,49 +4991,6 @@
         </a:p>
       </dgm:t>
     </dgm:pt>
-    <dgm:pt modelId="{DA83C7BD-40FB-4EEB-82B9-49F14D942864}">
-      <dgm:prSet custT="1"/>
-      <dgm:spPr/>
-      <dgm:t>
-        <a:bodyPr/>
-        <a:lstStyle/>
-        <a:p>
-          <a:pPr rtl="1"/>
-          <a:r>
-            <a:rPr lang="he-IL" sz="2000" b="1" dirty="0">
-              <a:latin typeface="Tahoma" panose="020B0604030504040204" pitchFamily="34" charset="0"/>
-              <a:ea typeface="Tahoma" panose="020B0604030504040204" pitchFamily="34" charset="0"/>
-              <a:cs typeface="Tahoma" panose="020B0604030504040204" pitchFamily="34" charset="0"/>
-            </a:rPr>
-            <a:t>מבצעים לקנייה מרובה במחלקה אחת</a:t>
-          </a:r>
-        </a:p>
-      </dgm:t>
-    </dgm:pt>
-    <dgm:pt modelId="{20E786A1-FC05-48D1-8FFD-87DD2B245456}" type="parTrans" cxnId="{F48DA288-2916-4D1F-9E3B-5F19FDEBD32E}">
-      <dgm:prSet/>
-      <dgm:spPr/>
-      <dgm:t>
-        <a:bodyPr/>
-        <a:lstStyle/>
-        <a:p>
-          <a:pPr rtl="1"/>
-          <a:endParaRPr lang="he-IL" sz="2000" b="1"/>
-        </a:p>
-      </dgm:t>
-    </dgm:pt>
-    <dgm:pt modelId="{6643E951-60BE-4A2C-9251-EB72DEBDE00B}" type="sibTrans" cxnId="{F48DA288-2916-4D1F-9E3B-5F19FDEBD32E}">
-      <dgm:prSet/>
-      <dgm:spPr/>
-      <dgm:t>
-        <a:bodyPr/>
-        <a:lstStyle/>
-        <a:p>
-          <a:pPr rtl="1"/>
-          <a:endParaRPr lang="he-IL" sz="2000" b="1"/>
-        </a:p>
-      </dgm:t>
-    </dgm:pt>
     <dgm:pt modelId="{6DB62732-5B1F-4BAA-AA8F-5766C007434F}">
       <dgm:prSet custT="1"/>
       <dgm:spPr/>
@@ -5172,7 +5130,7 @@
       <dgm:spPr/>
     </dgm:pt>
     <dgm:pt modelId="{DC0200B5-E3C6-492A-8219-B7F3AA7CE27C}" type="pres">
-      <dgm:prSet presAssocID="{2A7FE42E-9B6C-48E2-AD82-C8F7C3389CBA}" presName="node" presStyleLbl="node1" presStyleIdx="0" presStyleCnt="5">
+      <dgm:prSet presAssocID="{2A7FE42E-9B6C-48E2-AD82-C8F7C3389CBA}" presName="node" presStyleLbl="node1" presStyleIdx="0" presStyleCnt="4">
         <dgm:presLayoutVars>
           <dgm:bulletEnabled val="1"/>
         </dgm:presLayoutVars>
@@ -5183,20 +5141,8 @@
       <dgm:prSet presAssocID="{4D40454A-E704-4F8F-B203-D9EBD0715B66}" presName="sibTrans" presStyleCnt="0"/>
       <dgm:spPr/>
     </dgm:pt>
-    <dgm:pt modelId="{D10C210D-F6DD-431A-8988-3D51F391761E}" type="pres">
-      <dgm:prSet presAssocID="{DA83C7BD-40FB-4EEB-82B9-49F14D942864}" presName="node" presStyleLbl="node1" presStyleIdx="1" presStyleCnt="5">
-        <dgm:presLayoutVars>
-          <dgm:bulletEnabled val="1"/>
-        </dgm:presLayoutVars>
-      </dgm:prSet>
-      <dgm:spPr/>
-    </dgm:pt>
-    <dgm:pt modelId="{5C368366-5D2B-4E49-A916-D9B9983C28C5}" type="pres">
-      <dgm:prSet presAssocID="{6643E951-60BE-4A2C-9251-EB72DEBDE00B}" presName="sibTrans" presStyleCnt="0"/>
-      <dgm:spPr/>
-    </dgm:pt>
     <dgm:pt modelId="{90A707D0-FE93-48CB-801E-48CC9E024703}" type="pres">
-      <dgm:prSet presAssocID="{6DB62732-5B1F-4BAA-AA8F-5766C007434F}" presName="node" presStyleLbl="node1" presStyleIdx="2" presStyleCnt="5">
+      <dgm:prSet presAssocID="{6DB62732-5B1F-4BAA-AA8F-5766C007434F}" presName="node" presStyleLbl="node1" presStyleIdx="1" presStyleCnt="4">
         <dgm:presLayoutVars>
           <dgm:bulletEnabled val="1"/>
         </dgm:presLayoutVars>
@@ -5208,7 +5154,7 @@
       <dgm:spPr/>
     </dgm:pt>
     <dgm:pt modelId="{2FE5AB04-C499-427B-86DF-E234340478B8}" type="pres">
-      <dgm:prSet presAssocID="{DF167448-6309-465C-B719-D3B7DE5BEAFC}" presName="node" presStyleLbl="node1" presStyleIdx="3" presStyleCnt="5">
+      <dgm:prSet presAssocID="{DF167448-6309-465C-B719-D3B7DE5BEAFC}" presName="node" presStyleLbl="node1" presStyleIdx="2" presStyleCnt="4">
         <dgm:presLayoutVars>
           <dgm:bulletEnabled val="1"/>
         </dgm:presLayoutVars>
@@ -5220,7 +5166,7 @@
       <dgm:spPr/>
     </dgm:pt>
     <dgm:pt modelId="{3C89BB6D-1498-4D62-920F-F211E876366D}" type="pres">
-      <dgm:prSet presAssocID="{31CC52E9-14FE-4608-9E07-A9B35504DCE2}" presName="node" presStyleLbl="node1" presStyleIdx="4" presStyleCnt="5">
+      <dgm:prSet presAssocID="{31CC52E9-14FE-4608-9E07-A9B35504DCE2}" presName="node" presStyleLbl="node1" presStyleIdx="3" presStyleCnt="4">
         <dgm:presLayoutVars>
           <dgm:bulletEnabled val="1"/>
         </dgm:presLayoutVars>
@@ -5229,26 +5175,22 @@
     </dgm:pt>
   </dgm:ptLst>
   <dgm:cxnLst>
-    <dgm:cxn modelId="{61F79029-1D1D-41CD-92F7-92E17706174F}" srcId="{E2A641CD-65A0-4E21-AD2C-35EBD2F0EFD9}" destId="{31CC52E9-14FE-4608-9E07-A9B35504DCE2}" srcOrd="4" destOrd="0" parTransId="{4E0000F9-8E41-4FC3-AB37-D2909655DD70}" sibTransId="{E733FBE2-C764-4896-85F2-ADE07D44B3B7}"/>
+    <dgm:cxn modelId="{61F79029-1D1D-41CD-92F7-92E17706174F}" srcId="{E2A641CD-65A0-4E21-AD2C-35EBD2F0EFD9}" destId="{31CC52E9-14FE-4608-9E07-A9B35504DCE2}" srcOrd="3" destOrd="0" parTransId="{4E0000F9-8E41-4FC3-AB37-D2909655DD70}" sibTransId="{E733FBE2-C764-4896-85F2-ADE07D44B3B7}"/>
     <dgm:cxn modelId="{1F38263C-F810-4568-A1FC-0841A39BAFE6}" type="presOf" srcId="{E2A641CD-65A0-4E21-AD2C-35EBD2F0EFD9}" destId="{52E14D01-C5D5-4B61-849E-8C1428E03540}" srcOrd="0" destOrd="0" presId="urn:microsoft.com/office/officeart/2005/8/layout/default"/>
-    <dgm:cxn modelId="{F48DA288-2916-4D1F-9E3B-5F19FDEBD32E}" srcId="{E2A641CD-65A0-4E21-AD2C-35EBD2F0EFD9}" destId="{DA83C7BD-40FB-4EEB-82B9-49F14D942864}" srcOrd="1" destOrd="0" parTransId="{20E786A1-FC05-48D1-8FFD-87DD2B245456}" sibTransId="{6643E951-60BE-4A2C-9251-EB72DEBDE00B}"/>
-    <dgm:cxn modelId="{8C2ABB9B-F125-4FB3-9A3D-567A4FACF5D7}" srcId="{E2A641CD-65A0-4E21-AD2C-35EBD2F0EFD9}" destId="{6DB62732-5B1F-4BAA-AA8F-5766C007434F}" srcOrd="2" destOrd="0" parTransId="{F07C2B0A-1C79-483A-A7C0-59EDC53579C0}" sibTransId="{FFC64837-AAF5-46FD-BC62-C65A3B791D68}"/>
+    <dgm:cxn modelId="{8C2ABB9B-F125-4FB3-9A3D-567A4FACF5D7}" srcId="{E2A641CD-65A0-4E21-AD2C-35EBD2F0EFD9}" destId="{6DB62732-5B1F-4BAA-AA8F-5766C007434F}" srcOrd="1" destOrd="0" parTransId="{F07C2B0A-1C79-483A-A7C0-59EDC53579C0}" sibTransId="{FFC64837-AAF5-46FD-BC62-C65A3B791D68}"/>
     <dgm:cxn modelId="{3656CEBA-C618-40EE-9655-194B70C9F663}" type="presOf" srcId="{31CC52E9-14FE-4608-9E07-A9B35504DCE2}" destId="{3C89BB6D-1498-4D62-920F-F211E876366D}" srcOrd="0" destOrd="0" presId="urn:microsoft.com/office/officeart/2005/8/layout/default"/>
-    <dgm:cxn modelId="{EC84DBC4-C0BF-43DB-8B75-EB44E641D347}" srcId="{E2A641CD-65A0-4E21-AD2C-35EBD2F0EFD9}" destId="{DF167448-6309-465C-B719-D3B7DE5BEAFC}" srcOrd="3" destOrd="0" parTransId="{F1814AC8-8E07-4C63-91C4-D677F5392B36}" sibTransId="{9EB92DCA-0F59-4BAA-AE8B-0D694FA4EB4E}"/>
-    <dgm:cxn modelId="{BBA518C6-4986-4C8D-B83E-093B4F411EFF}" type="presOf" srcId="{DA83C7BD-40FB-4EEB-82B9-49F14D942864}" destId="{D10C210D-F6DD-431A-8988-3D51F391761E}" srcOrd="0" destOrd="0" presId="urn:microsoft.com/office/officeart/2005/8/layout/default"/>
+    <dgm:cxn modelId="{EC84DBC4-C0BF-43DB-8B75-EB44E641D347}" srcId="{E2A641CD-65A0-4E21-AD2C-35EBD2F0EFD9}" destId="{DF167448-6309-465C-B719-D3B7DE5BEAFC}" srcOrd="2" destOrd="0" parTransId="{F1814AC8-8E07-4C63-91C4-D677F5392B36}" sibTransId="{9EB92DCA-0F59-4BAA-AE8B-0D694FA4EB4E}"/>
     <dgm:cxn modelId="{240742CF-96B4-45B4-ABC1-F5AABE1B8853}" type="presOf" srcId="{6DB62732-5B1F-4BAA-AA8F-5766C007434F}" destId="{90A707D0-FE93-48CB-801E-48CC9E024703}" srcOrd="0" destOrd="0" presId="urn:microsoft.com/office/officeart/2005/8/layout/default"/>
     <dgm:cxn modelId="{89242CDE-EDC8-487B-8DB0-5CF4B3A09A7E}" srcId="{E2A641CD-65A0-4E21-AD2C-35EBD2F0EFD9}" destId="{2A7FE42E-9B6C-48E2-AD82-C8F7C3389CBA}" srcOrd="0" destOrd="0" parTransId="{BE8EADC8-DB48-40BC-9070-1072D8969F1B}" sibTransId="{4D40454A-E704-4F8F-B203-D9EBD0715B66}"/>
     <dgm:cxn modelId="{0BD15BE5-0E15-4037-9AD2-38D7C39BC1D4}" type="presOf" srcId="{2A7FE42E-9B6C-48E2-AD82-C8F7C3389CBA}" destId="{DC0200B5-E3C6-492A-8219-B7F3AA7CE27C}" srcOrd="0" destOrd="0" presId="urn:microsoft.com/office/officeart/2005/8/layout/default"/>
     <dgm:cxn modelId="{15E0D5F2-1C0E-436A-BA52-8230655CAFF4}" type="presOf" srcId="{DF167448-6309-465C-B719-D3B7DE5BEAFC}" destId="{2FE5AB04-C499-427B-86DF-E234340478B8}" srcOrd="0" destOrd="0" presId="urn:microsoft.com/office/officeart/2005/8/layout/default"/>
     <dgm:cxn modelId="{95CFCA56-986F-4D9B-B46F-DC41C1B45A84}" type="presParOf" srcId="{52E14D01-C5D5-4B61-849E-8C1428E03540}" destId="{DC0200B5-E3C6-492A-8219-B7F3AA7CE27C}" srcOrd="0" destOrd="0" presId="urn:microsoft.com/office/officeart/2005/8/layout/default"/>
     <dgm:cxn modelId="{4F74DD1C-F2E2-4300-B556-9A15A620A42E}" type="presParOf" srcId="{52E14D01-C5D5-4B61-849E-8C1428E03540}" destId="{0D3C1E09-750C-46E3-AD90-4B4881F68673}" srcOrd="1" destOrd="0" presId="urn:microsoft.com/office/officeart/2005/8/layout/default"/>
-    <dgm:cxn modelId="{4D5CA168-FC49-4A93-830A-8C138FEEB874}" type="presParOf" srcId="{52E14D01-C5D5-4B61-849E-8C1428E03540}" destId="{D10C210D-F6DD-431A-8988-3D51F391761E}" srcOrd="2" destOrd="0" presId="urn:microsoft.com/office/officeart/2005/8/layout/default"/>
-    <dgm:cxn modelId="{B375B51C-D5B3-49E4-B831-87F8C07176FB}" type="presParOf" srcId="{52E14D01-C5D5-4B61-849E-8C1428E03540}" destId="{5C368366-5D2B-4E49-A916-D9B9983C28C5}" srcOrd="3" destOrd="0" presId="urn:microsoft.com/office/officeart/2005/8/layout/default"/>
-    <dgm:cxn modelId="{7C9ECBB5-3F1A-4104-8038-9BE2AE7C1AD5}" type="presParOf" srcId="{52E14D01-C5D5-4B61-849E-8C1428E03540}" destId="{90A707D0-FE93-48CB-801E-48CC9E024703}" srcOrd="4" destOrd="0" presId="urn:microsoft.com/office/officeart/2005/8/layout/default"/>
-    <dgm:cxn modelId="{159E793B-6E58-4736-9EDA-CD9F0F8B4534}" type="presParOf" srcId="{52E14D01-C5D5-4B61-849E-8C1428E03540}" destId="{126DCAD1-032F-489E-8A98-52170B8CCCDC}" srcOrd="5" destOrd="0" presId="urn:microsoft.com/office/officeart/2005/8/layout/default"/>
-    <dgm:cxn modelId="{92B46183-2F8C-40CF-85BE-81DE320A26E4}" type="presParOf" srcId="{52E14D01-C5D5-4B61-849E-8C1428E03540}" destId="{2FE5AB04-C499-427B-86DF-E234340478B8}" srcOrd="6" destOrd="0" presId="urn:microsoft.com/office/officeart/2005/8/layout/default"/>
-    <dgm:cxn modelId="{A76A62FB-C725-401F-B963-3DFF4C63E3A8}" type="presParOf" srcId="{52E14D01-C5D5-4B61-849E-8C1428E03540}" destId="{B80D4EAB-10B6-40C1-B0F1-CFCD90A25CDA}" srcOrd="7" destOrd="0" presId="urn:microsoft.com/office/officeart/2005/8/layout/default"/>
-    <dgm:cxn modelId="{304DE0D1-99F8-4066-9D86-6C8AA67E0AA6}" type="presParOf" srcId="{52E14D01-C5D5-4B61-849E-8C1428E03540}" destId="{3C89BB6D-1498-4D62-920F-F211E876366D}" srcOrd="8" destOrd="0" presId="urn:microsoft.com/office/officeart/2005/8/layout/default"/>
+    <dgm:cxn modelId="{7C9ECBB5-3F1A-4104-8038-9BE2AE7C1AD5}" type="presParOf" srcId="{52E14D01-C5D5-4B61-849E-8C1428E03540}" destId="{90A707D0-FE93-48CB-801E-48CC9E024703}" srcOrd="2" destOrd="0" presId="urn:microsoft.com/office/officeart/2005/8/layout/default"/>
+    <dgm:cxn modelId="{159E793B-6E58-4736-9EDA-CD9F0F8B4534}" type="presParOf" srcId="{52E14D01-C5D5-4B61-849E-8C1428E03540}" destId="{126DCAD1-032F-489E-8A98-52170B8CCCDC}" srcOrd="3" destOrd="0" presId="urn:microsoft.com/office/officeart/2005/8/layout/default"/>
+    <dgm:cxn modelId="{92B46183-2F8C-40CF-85BE-81DE320A26E4}" type="presParOf" srcId="{52E14D01-C5D5-4B61-849E-8C1428E03540}" destId="{2FE5AB04-C499-427B-86DF-E234340478B8}" srcOrd="4" destOrd="0" presId="urn:microsoft.com/office/officeart/2005/8/layout/default"/>
+    <dgm:cxn modelId="{A76A62FB-C725-401F-B963-3DFF4C63E3A8}" type="presParOf" srcId="{52E14D01-C5D5-4B61-849E-8C1428E03540}" destId="{B80D4EAB-10B6-40C1-B0F1-CFCD90A25CDA}" srcOrd="5" destOrd="0" presId="urn:microsoft.com/office/officeart/2005/8/layout/default"/>
+    <dgm:cxn modelId="{304DE0D1-99F8-4066-9D86-6C8AA67E0AA6}" type="presParOf" srcId="{52E14D01-C5D5-4B61-849E-8C1428E03540}" destId="{3C89BB6D-1498-4D62-920F-F211E876366D}" srcOrd="6" destOrd="0" presId="urn:microsoft.com/office/officeart/2005/8/layout/default"/>
   </dgm:cxnLst>
   <dgm:bg/>
   <dgm:whole/>
@@ -6940,8 +6882,8 @@
       </dsp:nvSpPr>
       <dsp:spPr>
         <a:xfrm>
-          <a:off x="0" y="214342"/>
-          <a:ext cx="2864872" cy="1718923"/>
+          <a:off x="1232566" y="1939"/>
+          <a:ext cx="3191646" cy="1914988"/>
         </a:xfrm>
         <a:prstGeom prst="rect">
           <a:avLst/>
@@ -7016,90 +6958,8 @@
         </a:p>
       </dsp:txBody>
       <dsp:txXfrm>
-        <a:off x="0" y="214342"/>
-        <a:ext cx="2864872" cy="1718923"/>
-      </dsp:txXfrm>
-    </dsp:sp>
-    <dsp:sp modelId="{D10C210D-F6DD-431A-8988-3D51F391761E}">
-      <dsp:nvSpPr>
-        <dsp:cNvPr id="0" name=""/>
-        <dsp:cNvSpPr/>
-      </dsp:nvSpPr>
-      <dsp:spPr>
-        <a:xfrm>
-          <a:off x="3151359" y="214342"/>
-          <a:ext cx="2864872" cy="1718923"/>
-        </a:xfrm>
-        <a:prstGeom prst="rect">
-          <a:avLst/>
-        </a:prstGeom>
-        <a:solidFill>
-          <a:schemeClr val="accent4">
-            <a:hueOff val="0"/>
-            <a:satOff val="0"/>
-            <a:lumOff val="0"/>
-            <a:alphaOff val="0"/>
-          </a:schemeClr>
-        </a:solidFill>
-        <a:ln w="12700" cap="flat" cmpd="sng" algn="ctr">
-          <a:solidFill>
-            <a:schemeClr val="lt1">
-              <a:hueOff val="0"/>
-              <a:satOff val="0"/>
-              <a:lumOff val="0"/>
-              <a:alphaOff val="0"/>
-            </a:schemeClr>
-          </a:solidFill>
-          <a:prstDash val="solid"/>
-          <a:miter lim="800000"/>
-        </a:ln>
-        <a:effectLst/>
-      </dsp:spPr>
-      <dsp:style>
-        <a:lnRef idx="2">
-          <a:scrgbClr r="0" g="0" b="0"/>
-        </a:lnRef>
-        <a:fillRef idx="1">
-          <a:scrgbClr r="0" g="0" b="0"/>
-        </a:fillRef>
-        <a:effectRef idx="0">
-          <a:scrgbClr r="0" g="0" b="0"/>
-        </a:effectRef>
-        <a:fontRef idx="minor">
-          <a:schemeClr val="lt1"/>
-        </a:fontRef>
-      </dsp:style>
-      <dsp:txBody>
-        <a:bodyPr spcFirstLastPara="0" vert="horz" wrap="square" lIns="76200" tIns="76200" rIns="76200" bIns="76200" numCol="1" spcCol="1270" anchor="ctr" anchorCtr="0">
-          <a:noAutofit/>
-        </a:bodyPr>
-        <a:lstStyle/>
-        <a:p>
-          <a:pPr marL="0" lvl="0" indent="0" algn="ctr" defTabSz="889000" rtl="1">
-            <a:lnSpc>
-              <a:spcPct val="90000"/>
-            </a:lnSpc>
-            <a:spcBef>
-              <a:spcPct val="0"/>
-            </a:spcBef>
-            <a:spcAft>
-              <a:spcPct val="35000"/>
-            </a:spcAft>
-            <a:buNone/>
-          </a:pPr>
-          <a:r>
-            <a:rPr lang="he-IL" sz="2000" b="1" kern="1200" dirty="0">
-              <a:latin typeface="Tahoma" panose="020B0604030504040204" pitchFamily="34" charset="0"/>
-              <a:ea typeface="Tahoma" panose="020B0604030504040204" pitchFamily="34" charset="0"/>
-              <a:cs typeface="Tahoma" panose="020B0604030504040204" pitchFamily="34" charset="0"/>
-            </a:rPr>
-            <a:t>מבצעים לקנייה מרובה במחלקה אחת</a:t>
-          </a:r>
-        </a:p>
-      </dsp:txBody>
-      <dsp:txXfrm>
-        <a:off x="3151359" y="214342"/>
-        <a:ext cx="2864872" cy="1718923"/>
+        <a:off x="1232566" y="1939"/>
+        <a:ext cx="3191646" cy="1914988"/>
       </dsp:txXfrm>
     </dsp:sp>
     <dsp:sp modelId="{90A707D0-FE93-48CB-801E-48CC9E024703}">
@@ -7109,8 +6969,8 @@
       </dsp:nvSpPr>
       <dsp:spPr>
         <a:xfrm>
-          <a:off x="6302718" y="214342"/>
-          <a:ext cx="2864872" cy="1718923"/>
+          <a:off x="4743377" y="1939"/>
+          <a:ext cx="3191646" cy="1914988"/>
         </a:xfrm>
         <a:prstGeom prst="rect">
           <a:avLst/>
@@ -7180,8 +7040,8 @@
         </a:p>
       </dsp:txBody>
       <dsp:txXfrm>
-        <a:off x="6302718" y="214342"/>
-        <a:ext cx="2864872" cy="1718923"/>
+        <a:off x="4743377" y="1939"/>
+        <a:ext cx="3191646" cy="1914988"/>
       </dsp:txXfrm>
     </dsp:sp>
     <dsp:sp modelId="{2FE5AB04-C499-427B-86DF-E234340478B8}">
@@ -7191,8 +7051,8 @@
       </dsp:nvSpPr>
       <dsp:spPr>
         <a:xfrm>
-          <a:off x="1575679" y="2219753"/>
-          <a:ext cx="2864872" cy="1718923"/>
+          <a:off x="1232566" y="2236091"/>
+          <a:ext cx="3191646" cy="1914988"/>
         </a:xfrm>
         <a:prstGeom prst="rect">
           <a:avLst/>
@@ -7262,8 +7122,8 @@
         </a:p>
       </dsp:txBody>
       <dsp:txXfrm>
-        <a:off x="1575679" y="2219753"/>
-        <a:ext cx="2864872" cy="1718923"/>
+        <a:off x="1232566" y="2236091"/>
+        <a:ext cx="3191646" cy="1914988"/>
       </dsp:txXfrm>
     </dsp:sp>
     <dsp:sp modelId="{3C89BB6D-1498-4D62-920F-F211E876366D}">
@@ -7273,8 +7133,8 @@
       </dsp:nvSpPr>
       <dsp:spPr>
         <a:xfrm>
-          <a:off x="4727039" y="2219753"/>
-          <a:ext cx="2864872" cy="1718923"/>
+          <a:off x="4743377" y="2236091"/>
+          <a:ext cx="3191646" cy="1914988"/>
         </a:xfrm>
         <a:prstGeom prst="rect">
           <a:avLst/>
@@ -7344,8 +7204,8 @@
         </a:p>
       </dsp:txBody>
       <dsp:txXfrm>
-        <a:off x="4727039" y="2219753"/>
-        <a:ext cx="2864872" cy="1718923"/>
+        <a:off x="4743377" y="2236091"/>
+        <a:ext cx="3191646" cy="1914988"/>
       </dsp:txXfrm>
     </dsp:sp>
   </dsp:spTree>
@@ -12937,7 +12797,7 @@
           <a:p>
             <a:fld id="{11EAACC7-3B3F-47D1-959A-EF58926E955E}" type="datetimeFigureOut">
               <a:rPr lang="en-US" smtClean="0"/>
-              <a:t>7/21/2021</a:t>
+              <a:t>7/22/2021</a:t>
             </a:fld>
             <a:endParaRPr lang="en-US"/>
           </a:p>
@@ -13135,7 +12995,7 @@
           <a:p>
             <a:fld id="{11EAACC7-3B3F-47D1-959A-EF58926E955E}" type="datetimeFigureOut">
               <a:rPr lang="en-US" smtClean="0"/>
-              <a:t>7/21/2021</a:t>
+              <a:t>7/22/2021</a:t>
             </a:fld>
             <a:endParaRPr lang="en-US"/>
           </a:p>
@@ -13343,7 +13203,7 @@
           <a:p>
             <a:fld id="{11EAACC7-3B3F-47D1-959A-EF58926E955E}" type="datetimeFigureOut">
               <a:rPr lang="en-US" smtClean="0"/>
-              <a:t>7/21/2021</a:t>
+              <a:t>7/22/2021</a:t>
             </a:fld>
             <a:endParaRPr lang="en-US"/>
           </a:p>
@@ -13572,7 +13432,7 @@
           <a:p>
             <a:fld id="{11EAACC7-3B3F-47D1-959A-EF58926E955E}" type="datetimeFigureOut">
               <a:rPr lang="en-US" smtClean="0"/>
-              <a:t>7/21/2021</a:t>
+              <a:t>7/22/2021</a:t>
             </a:fld>
             <a:endParaRPr lang="en-US" dirty="0"/>
           </a:p>
@@ -13847,7 +13707,7 @@
           <a:p>
             <a:fld id="{11EAACC7-3B3F-47D1-959A-EF58926E955E}" type="datetimeFigureOut">
               <a:rPr lang="en-US" smtClean="0"/>
-              <a:t>7/21/2021</a:t>
+              <a:t>7/22/2021</a:t>
             </a:fld>
             <a:endParaRPr lang="en-US"/>
           </a:p>
@@ -14113,7 +13973,7 @@
           <a:p>
             <a:fld id="{11EAACC7-3B3F-47D1-959A-EF58926E955E}" type="datetimeFigureOut">
               <a:rPr lang="en-US" smtClean="0"/>
-              <a:t>7/21/2021</a:t>
+              <a:t>7/22/2021</a:t>
             </a:fld>
             <a:endParaRPr lang="en-US"/>
           </a:p>
@@ -14530,7 +14390,7 @@
           <a:p>
             <a:fld id="{11EAACC7-3B3F-47D1-959A-EF58926E955E}" type="datetimeFigureOut">
               <a:rPr lang="en-US" smtClean="0"/>
-              <a:t>7/21/2021</a:t>
+              <a:t>7/22/2021</a:t>
             </a:fld>
             <a:endParaRPr lang="en-US"/>
           </a:p>
@@ -14671,7 +14531,7 @@
           <a:p>
             <a:fld id="{11EAACC7-3B3F-47D1-959A-EF58926E955E}" type="datetimeFigureOut">
               <a:rPr lang="en-US" smtClean="0"/>
-              <a:t>7/21/2021</a:t>
+              <a:t>7/22/2021</a:t>
             </a:fld>
             <a:endParaRPr lang="en-US"/>
           </a:p>
@@ -14784,7 +14644,7 @@
           <a:p>
             <a:fld id="{11EAACC7-3B3F-47D1-959A-EF58926E955E}" type="datetimeFigureOut">
               <a:rPr lang="en-US" smtClean="0"/>
-              <a:t>7/21/2021</a:t>
+              <a:t>7/22/2021</a:t>
             </a:fld>
             <a:endParaRPr lang="en-US"/>
           </a:p>
@@ -15095,7 +14955,7 @@
           <a:p>
             <a:fld id="{11EAACC7-3B3F-47D1-959A-EF58926E955E}" type="datetimeFigureOut">
               <a:rPr lang="en-US" smtClean="0"/>
-              <a:t>7/21/2021</a:t>
+              <a:t>7/22/2021</a:t>
             </a:fld>
             <a:endParaRPr lang="en-US"/>
           </a:p>
@@ -15386,7 +15246,7 @@
           <a:p>
             <a:fld id="{11EAACC7-3B3F-47D1-959A-EF58926E955E}" type="datetimeFigureOut">
               <a:rPr lang="en-US" smtClean="0"/>
-              <a:t>7/21/2021</a:t>
+              <a:t>7/22/2021</a:t>
             </a:fld>
             <a:endParaRPr lang="en-US"/>
           </a:p>
@@ -15967,7 +15827,7 @@
           <a:p>
             <a:fld id="{11EAACC7-3B3F-47D1-959A-EF58926E955E}" type="datetimeFigureOut">
               <a:rPr lang="en-US" smtClean="0"/>
-              <a:t>7/21/2021</a:t>
+              <a:t>7/22/2021</a:t>
             </a:fld>
             <a:endParaRPr lang="en-US"/>
           </a:p>
@@ -23599,7 +23459,7 @@
           <p:nvPr>
             <p:extLst>
               <p:ext uri="{D42A27DB-BD31-4B8C-83A1-F6EECF244321}">
-                <p14:modId xmlns:p14="http://schemas.microsoft.com/office/powerpoint/2010/main" val="1491197851"/>
+                <p14:modId xmlns:p14="http://schemas.microsoft.com/office/powerpoint/2010/main" val="1889920890"/>
               </p:ext>
             </p:extLst>
           </p:nvPr>
@@ -23618,6 +23478,533 @@
     <p:extLst>
       <p:ext uri="{BB962C8B-B14F-4D97-AF65-F5344CB8AC3E}">
         <p14:creationId xmlns:p14="http://schemas.microsoft.com/office/powerpoint/2010/main" val="2327054902"/>
+      </p:ext>
+    </p:extLst>
+  </p:cSld>
+  <p:clrMapOvr>
+    <a:masterClrMapping/>
+  </p:clrMapOvr>
+</p:sld>
+</file>
+
+<file path=ppt/slides/slide14.xml><?xml version="1.0" encoding="utf-8"?>
+<p:sld xmlns:a="http://schemas.openxmlformats.org/drawingml/2006/main" xmlns:r="http://schemas.openxmlformats.org/officeDocument/2006/relationships" xmlns:p="http://schemas.openxmlformats.org/presentationml/2006/main">
+  <p:cSld>
+    <p:bg>
+      <p:bgPr>
+        <a:solidFill>
+          <a:schemeClr val="bg1"/>
+        </a:solidFill>
+        <a:effectLst/>
+      </p:bgPr>
+    </p:bg>
+    <p:spTree>
+      <p:nvGrpSpPr>
+        <p:cNvPr id="1" name=""/>
+        <p:cNvGrpSpPr/>
+        <p:nvPr/>
+      </p:nvGrpSpPr>
+      <p:grpSpPr>
+        <a:xfrm>
+          <a:off x="0" y="0"/>
+          <a:ext cx="0" cy="0"/>
+          <a:chOff x="0" y="0"/>
+          <a:chExt cx="0" cy="0"/>
+        </a:xfrm>
+      </p:grpSpPr>
+      <p:cxnSp>
+        <p:nvCxnSpPr>
+          <p:cNvPr id="10" name="Straight Connector 9">
+            <a:extLst>
+              <a:ext uri="{FF2B5EF4-FFF2-40B4-BE49-F238E27FC236}">
+                <a16:creationId xmlns:a16="http://schemas.microsoft.com/office/drawing/2014/main" id="{4436E0F2-A64B-471E-93C0-8DFE08CC57C8}"/>
+              </a:ext>
+              <a:ext uri="{C183D7F6-B498-43B3-948B-1728B52AA6E4}">
+                <adec:decorative xmlns:adec="http://schemas.microsoft.com/office/drawing/2017/decorative" val="1"/>
+              </a:ext>
+            </a:extLst>
+          </p:cNvPr>
+          <p:cNvCxnSpPr>
+            <a:cxnSpLocks noGrp="1" noRot="1" noChangeAspect="1" noMove="1" noResize="1" noEditPoints="1" noAdjustHandles="1" noChangeArrowheads="1" noChangeShapeType="1"/>
+          </p:cNvCxnSpPr>
+          <p:nvPr>
+            <p:extLst>
+              <p:ext uri="{386F3935-93C4-4BCD-93E2-E3B085C9AB24}">
+                <p16:designElem xmlns:p16="http://schemas.microsoft.com/office/powerpoint/2015/main" val="1"/>
+              </p:ext>
+            </p:extLst>
+          </p:nvPr>
+        </p:nvCxnSpPr>
+        <p:spPr>
+          <a:xfrm flipH="1">
+            <a:off x="0" y="0"/>
+            <a:ext cx="3119718" cy="685800"/>
+          </a:xfrm>
+          <a:prstGeom prst="line">
+            <a:avLst/>
+          </a:prstGeom>
+          <a:ln w="12700">
+            <a:solidFill>
+              <a:schemeClr val="accent2">
+                <a:alpha val="70000"/>
+              </a:schemeClr>
+            </a:solidFill>
+          </a:ln>
+        </p:spPr>
+        <p:style>
+          <a:lnRef idx="1">
+            <a:schemeClr val="accent1"/>
+          </a:lnRef>
+          <a:fillRef idx="0">
+            <a:schemeClr val="accent1"/>
+          </a:fillRef>
+          <a:effectRef idx="0">
+            <a:schemeClr val="accent1"/>
+          </a:effectRef>
+          <a:fontRef idx="minor">
+            <a:schemeClr val="tx1"/>
+          </a:fontRef>
+        </p:style>
+      </p:cxnSp>
+      <p:cxnSp>
+        <p:nvCxnSpPr>
+          <p:cNvPr id="12" name="Straight Connector 11">
+            <a:extLst>
+              <a:ext uri="{FF2B5EF4-FFF2-40B4-BE49-F238E27FC236}">
+                <a16:creationId xmlns:a16="http://schemas.microsoft.com/office/drawing/2014/main" id="{DC1E3AB1-2A8C-4607-9FAE-D8BDB280FE1A}"/>
+              </a:ext>
+              <a:ext uri="{C183D7F6-B498-43B3-948B-1728B52AA6E4}">
+                <adec:decorative xmlns:adec="http://schemas.microsoft.com/office/drawing/2017/decorative" val="1"/>
+              </a:ext>
+            </a:extLst>
+          </p:cNvPr>
+          <p:cNvCxnSpPr>
+            <a:cxnSpLocks noGrp="1" noRot="1" noChangeAspect="1" noMove="1" noResize="1" noEditPoints="1" noAdjustHandles="1" noChangeArrowheads="1" noChangeShapeType="1"/>
+          </p:cNvCxnSpPr>
+          <p:nvPr>
+            <p:extLst>
+              <p:ext uri="{386F3935-93C4-4BCD-93E2-E3B085C9AB24}">
+                <p16:designElem xmlns:p16="http://schemas.microsoft.com/office/powerpoint/2015/main" val="1"/>
+              </p:ext>
+            </p:extLst>
+          </p:nvPr>
+        </p:nvCxnSpPr>
+        <p:spPr>
+          <a:xfrm flipH="1">
+            <a:off x="0" y="0"/>
+            <a:ext cx="903768" cy="6543675"/>
+          </a:xfrm>
+          <a:prstGeom prst="line">
+            <a:avLst/>
+          </a:prstGeom>
+          <a:ln w="12700">
+            <a:solidFill>
+              <a:schemeClr val="accent2">
+                <a:alpha val="70000"/>
+              </a:schemeClr>
+            </a:solidFill>
+          </a:ln>
+        </p:spPr>
+        <p:style>
+          <a:lnRef idx="1">
+            <a:schemeClr val="accent1"/>
+          </a:lnRef>
+          <a:fillRef idx="0">
+            <a:schemeClr val="accent1"/>
+          </a:fillRef>
+          <a:effectRef idx="0">
+            <a:schemeClr val="accent1"/>
+          </a:effectRef>
+          <a:fontRef idx="minor">
+            <a:schemeClr val="tx1"/>
+          </a:fontRef>
+        </p:style>
+      </p:cxnSp>
+      <p:cxnSp>
+        <p:nvCxnSpPr>
+          <p:cNvPr id="14" name="Straight Connector 13">
+            <a:extLst>
+              <a:ext uri="{FF2B5EF4-FFF2-40B4-BE49-F238E27FC236}">
+                <a16:creationId xmlns:a16="http://schemas.microsoft.com/office/drawing/2014/main" id="{26D66059-832F-40B6-A35F-F56C8F38A1E7}"/>
+              </a:ext>
+              <a:ext uri="{C183D7F6-B498-43B3-948B-1728B52AA6E4}">
+                <adec:decorative xmlns:adec="http://schemas.microsoft.com/office/drawing/2017/decorative" val="1"/>
+              </a:ext>
+            </a:extLst>
+          </p:cNvPr>
+          <p:cNvCxnSpPr>
+            <a:cxnSpLocks noGrp="1" noRot="1" noChangeAspect="1" noMove="1" noResize="1" noEditPoints="1" noAdjustHandles="1" noChangeArrowheads="1" noChangeShapeType="1"/>
+          </p:cNvCxnSpPr>
+          <p:nvPr>
+            <p:extLst>
+              <p:ext uri="{386F3935-93C4-4BCD-93E2-E3B085C9AB24}">
+                <p16:designElem xmlns:p16="http://schemas.microsoft.com/office/powerpoint/2015/main" val="1"/>
+              </p:ext>
+            </p:extLst>
+          </p:nvPr>
+        </p:nvCxnSpPr>
+        <p:spPr>
+          <a:xfrm flipH="1" flipV="1">
+            <a:off x="-42863" y="5791200"/>
+            <a:ext cx="6286501" cy="1066801"/>
+          </a:xfrm>
+          <a:prstGeom prst="line">
+            <a:avLst/>
+          </a:prstGeom>
+          <a:ln w="12700">
+            <a:solidFill>
+              <a:schemeClr val="accent2">
+                <a:alpha val="70000"/>
+              </a:schemeClr>
+            </a:solidFill>
+          </a:ln>
+        </p:spPr>
+        <p:style>
+          <a:lnRef idx="1">
+            <a:schemeClr val="accent1"/>
+          </a:lnRef>
+          <a:fillRef idx="0">
+            <a:schemeClr val="accent1"/>
+          </a:fillRef>
+          <a:effectRef idx="0">
+            <a:schemeClr val="accent1"/>
+          </a:effectRef>
+          <a:fontRef idx="minor">
+            <a:schemeClr val="tx1"/>
+          </a:fontRef>
+        </p:style>
+      </p:cxnSp>
+      <p:cxnSp>
+        <p:nvCxnSpPr>
+          <p:cNvPr id="16" name="Straight Connector 15">
+            <a:extLst>
+              <a:ext uri="{FF2B5EF4-FFF2-40B4-BE49-F238E27FC236}">
+                <a16:creationId xmlns:a16="http://schemas.microsoft.com/office/drawing/2014/main" id="{A515E2ED-7EA9-448D-83FA-54C3DF9723BD}"/>
+              </a:ext>
+              <a:ext uri="{C183D7F6-B498-43B3-948B-1728B52AA6E4}">
+                <adec:decorative xmlns:adec="http://schemas.microsoft.com/office/drawing/2017/decorative" val="1"/>
+              </a:ext>
+            </a:extLst>
+          </p:cNvPr>
+          <p:cNvCxnSpPr>
+            <a:cxnSpLocks noGrp="1" noRot="1" noChangeAspect="1" noMove="1" noResize="1" noEditPoints="1" noAdjustHandles="1" noChangeArrowheads="1" noChangeShapeType="1"/>
+          </p:cNvCxnSpPr>
+          <p:nvPr>
+            <p:extLst>
+              <p:ext uri="{386F3935-93C4-4BCD-93E2-E3B085C9AB24}">
+                <p16:designElem xmlns:p16="http://schemas.microsoft.com/office/powerpoint/2015/main" val="1"/>
+              </p:ext>
+            </p:extLst>
+          </p:nvPr>
+        </p:nvCxnSpPr>
+        <p:spPr>
+          <a:xfrm flipH="1">
+            <a:off x="8462964" y="5848350"/>
+            <a:ext cx="3729036" cy="1009650"/>
+          </a:xfrm>
+          <a:prstGeom prst="line">
+            <a:avLst/>
+          </a:prstGeom>
+          <a:ln w="12700">
+            <a:solidFill>
+              <a:schemeClr val="accent2">
+                <a:alpha val="70000"/>
+              </a:schemeClr>
+            </a:solidFill>
+          </a:ln>
+        </p:spPr>
+        <p:style>
+          <a:lnRef idx="1">
+            <a:schemeClr val="accent1"/>
+          </a:lnRef>
+          <a:fillRef idx="0">
+            <a:schemeClr val="accent1"/>
+          </a:fillRef>
+          <a:effectRef idx="0">
+            <a:schemeClr val="accent1"/>
+          </a:effectRef>
+          <a:fontRef idx="minor">
+            <a:schemeClr val="tx1"/>
+          </a:fontRef>
+        </p:style>
+      </p:cxnSp>
+      <p:cxnSp>
+        <p:nvCxnSpPr>
+          <p:cNvPr id="18" name="Straight Connector 17">
+            <a:extLst>
+              <a:ext uri="{FF2B5EF4-FFF2-40B4-BE49-F238E27FC236}">
+                <a16:creationId xmlns:a16="http://schemas.microsoft.com/office/drawing/2014/main" id="{20595356-EABD-4767-AC9D-EA21FF115EC0}"/>
+              </a:ext>
+              <a:ext uri="{C183D7F6-B498-43B3-948B-1728B52AA6E4}">
+                <adec:decorative xmlns:adec="http://schemas.microsoft.com/office/drawing/2017/decorative" val="1"/>
+              </a:ext>
+            </a:extLst>
+          </p:cNvPr>
+          <p:cNvCxnSpPr>
+            <a:cxnSpLocks noGrp="1" noRot="1" noChangeAspect="1" noMove="1" noResize="1" noEditPoints="1" noAdjustHandles="1" noChangeArrowheads="1" noChangeShapeType="1"/>
+          </p:cNvCxnSpPr>
+          <p:nvPr>
+            <p:extLst>
+              <p:ext uri="{386F3935-93C4-4BCD-93E2-E3B085C9AB24}">
+                <p16:designElem xmlns:p16="http://schemas.microsoft.com/office/powerpoint/2015/main" val="1"/>
+              </p:ext>
+            </p:extLst>
+          </p:nvPr>
+        </p:nvCxnSpPr>
+        <p:spPr>
+          <a:xfrm flipH="1">
+            <a:off x="11543158" y="1647825"/>
+            <a:ext cx="648842" cy="5210175"/>
+          </a:xfrm>
+          <a:prstGeom prst="line">
+            <a:avLst/>
+          </a:prstGeom>
+          <a:ln w="12700">
+            <a:solidFill>
+              <a:schemeClr val="accent2">
+                <a:alpha val="70000"/>
+              </a:schemeClr>
+            </a:solidFill>
+          </a:ln>
+        </p:spPr>
+        <p:style>
+          <a:lnRef idx="1">
+            <a:schemeClr val="accent1"/>
+          </a:lnRef>
+          <a:fillRef idx="0">
+            <a:schemeClr val="accent1"/>
+          </a:fillRef>
+          <a:effectRef idx="0">
+            <a:schemeClr val="accent1"/>
+          </a:effectRef>
+          <a:fontRef idx="minor">
+            <a:schemeClr val="tx1"/>
+          </a:fontRef>
+        </p:style>
+      </p:cxnSp>
+      <p:cxnSp>
+        <p:nvCxnSpPr>
+          <p:cNvPr id="20" name="Straight Connector 19">
+            <a:extLst>
+              <a:ext uri="{FF2B5EF4-FFF2-40B4-BE49-F238E27FC236}">
+                <a16:creationId xmlns:a16="http://schemas.microsoft.com/office/drawing/2014/main" id="{28CD9F06-9628-469C-B788-A894E3E08281}"/>
+              </a:ext>
+              <a:ext uri="{C183D7F6-B498-43B3-948B-1728B52AA6E4}">
+                <adec:decorative xmlns:adec="http://schemas.microsoft.com/office/drawing/2017/decorative" val="1"/>
+              </a:ext>
+            </a:extLst>
+          </p:cNvPr>
+          <p:cNvCxnSpPr>
+            <a:cxnSpLocks noGrp="1" noRot="1" noChangeAspect="1" noMove="1" noResize="1" noEditPoints="1" noAdjustHandles="1" noChangeArrowheads="1" noChangeShapeType="1"/>
+          </p:cNvCxnSpPr>
+          <p:nvPr>
+            <p:extLst>
+              <p:ext uri="{386F3935-93C4-4BCD-93E2-E3B085C9AB24}">
+                <p16:designElem xmlns:p16="http://schemas.microsoft.com/office/powerpoint/2015/main" val="1"/>
+              </p:ext>
+            </p:extLst>
+          </p:nvPr>
+        </p:nvCxnSpPr>
+        <p:spPr>
+          <a:xfrm flipH="1" flipV="1">
+            <a:off x="10781554" y="0"/>
+            <a:ext cx="1410446" cy="4258340"/>
+          </a:xfrm>
+          <a:prstGeom prst="line">
+            <a:avLst/>
+          </a:prstGeom>
+          <a:ln w="12700">
+            <a:solidFill>
+              <a:schemeClr val="accent2">
+                <a:alpha val="70000"/>
+              </a:schemeClr>
+            </a:solidFill>
+          </a:ln>
+        </p:spPr>
+        <p:style>
+          <a:lnRef idx="1">
+            <a:schemeClr val="accent1"/>
+          </a:lnRef>
+          <a:fillRef idx="0">
+            <a:schemeClr val="accent1"/>
+          </a:fillRef>
+          <a:effectRef idx="0">
+            <a:schemeClr val="accent1"/>
+          </a:effectRef>
+          <a:fontRef idx="minor">
+            <a:schemeClr val="tx1"/>
+          </a:fontRef>
+        </p:style>
+      </p:cxnSp>
+      <p:cxnSp>
+        <p:nvCxnSpPr>
+          <p:cNvPr id="22" name="Straight Connector 21">
+            <a:extLst>
+              <a:ext uri="{FF2B5EF4-FFF2-40B4-BE49-F238E27FC236}">
+                <a16:creationId xmlns:a16="http://schemas.microsoft.com/office/drawing/2014/main" id="{8550A431-0B61-421B-B4B7-24C0CFF0F938}"/>
+              </a:ext>
+              <a:ext uri="{C183D7F6-B498-43B3-948B-1728B52AA6E4}">
+                <adec:decorative xmlns:adec="http://schemas.microsoft.com/office/drawing/2017/decorative" val="1"/>
+              </a:ext>
+            </a:extLst>
+          </p:cNvPr>
+          <p:cNvCxnSpPr>
+            <a:cxnSpLocks noGrp="1" noRot="1" noChangeAspect="1" noMove="1" noResize="1" noEditPoints="1" noAdjustHandles="1" noChangeArrowheads="1" noChangeShapeType="1"/>
+          </p:cNvCxnSpPr>
+          <p:nvPr>
+            <p:extLst>
+              <p:ext uri="{386F3935-93C4-4BCD-93E2-E3B085C9AB24}">
+                <p16:designElem xmlns:p16="http://schemas.microsoft.com/office/powerpoint/2015/main" val="1"/>
+              </p:ext>
+            </p:extLst>
+          </p:nvPr>
+        </p:nvCxnSpPr>
+        <p:spPr>
+          <a:xfrm flipH="1" flipV="1">
+            <a:off x="6529388" y="-4763"/>
+            <a:ext cx="5662612" cy="931975"/>
+          </a:xfrm>
+          <a:prstGeom prst="line">
+            <a:avLst/>
+          </a:prstGeom>
+          <a:ln w="12700">
+            <a:solidFill>
+              <a:schemeClr val="accent2">
+                <a:alpha val="70000"/>
+              </a:schemeClr>
+            </a:solidFill>
+          </a:ln>
+        </p:spPr>
+        <p:style>
+          <a:lnRef idx="1">
+            <a:schemeClr val="accent1"/>
+          </a:lnRef>
+          <a:fillRef idx="0">
+            <a:schemeClr val="accent1"/>
+          </a:fillRef>
+          <a:effectRef idx="0">
+            <a:schemeClr val="accent1"/>
+          </a:effectRef>
+          <a:fontRef idx="minor">
+            <a:schemeClr val="tx1"/>
+          </a:fontRef>
+        </p:style>
+      </p:cxnSp>
+      <p:sp useBgFill="1">
+        <p:nvSpPr>
+          <p:cNvPr id="57" name="Rectangle 23">
+            <a:extLst>
+              <a:ext uri="{FF2B5EF4-FFF2-40B4-BE49-F238E27FC236}">
+                <a16:creationId xmlns:a16="http://schemas.microsoft.com/office/drawing/2014/main" id="{1AF3C8EA-7A37-4A07-BDF2-89EBD3DF2CD1}"/>
+              </a:ext>
+              <a:ext uri="{C183D7F6-B498-43B3-948B-1728B52AA6E4}">
+                <adec:decorative xmlns:adec="http://schemas.microsoft.com/office/drawing/2017/decorative" val="1"/>
+              </a:ext>
+            </a:extLst>
+          </p:cNvPr>
+          <p:cNvSpPr>
+            <a:spLocks noGrp="1" noRot="1" noChangeAspect="1" noMove="1" noResize="1" noEditPoints="1" noAdjustHandles="1" noChangeArrowheads="1" noChangeShapeType="1" noTextEdit="1"/>
+          </p:cNvSpPr>
+          <p:nvPr>
+            <p:extLst>
+              <p:ext uri="{386F3935-93C4-4BCD-93E2-E3B085C9AB24}">
+                <p16:designElem xmlns:p16="http://schemas.microsoft.com/office/powerpoint/2015/main" val="1"/>
+              </p:ext>
+            </p:extLst>
+          </p:nvPr>
+        </p:nvSpPr>
+        <p:spPr>
+          <a:xfrm>
+            <a:off x="0" y="0"/>
+            <a:ext cx="12192000" cy="6858000"/>
+          </a:xfrm>
+          <a:prstGeom prst="rect">
+            <a:avLst/>
+          </a:prstGeom>
+          <a:ln w="12700" cap="flat" cmpd="sng" algn="ctr">
+            <a:noFill/>
+            <a:prstDash val="solid"/>
+            <a:miter lim="800000"/>
+          </a:ln>
+          <a:effectLst/>
+          <a:extLst>
+            <a:ext uri="{91240B29-F687-4F45-9708-019B960494DF}">
+              <a14:hiddenLine xmlns:a14="http://schemas.microsoft.com/office/drawing/2010/main" w="12700" cap="flat" cmpd="sng" algn="ctr">
+                <a:solidFill>
+                  <a:schemeClr val="accent1">
+                    <a:shade val="50000"/>
+                  </a:schemeClr>
+                </a:solidFill>
+                <a:prstDash val="solid"/>
+                <a:miter lim="800000"/>
+              </a14:hiddenLine>
+            </a:ext>
+          </a:extLst>
+        </p:spPr>
+        <p:style>
+          <a:lnRef idx="2">
+            <a:schemeClr val="accent1">
+              <a:shade val="50000"/>
+            </a:schemeClr>
+          </a:lnRef>
+          <a:fillRef idx="1">
+            <a:schemeClr val="accent1"/>
+          </a:fillRef>
+          <a:effectRef idx="0">
+            <a:schemeClr val="accent1"/>
+          </a:effectRef>
+          <a:fontRef idx="minor">
+            <a:schemeClr val="lt1"/>
+          </a:fontRef>
+        </p:style>
+        <p:txBody>
+          <a:bodyPr rtlCol="0" anchor="ctr"/>
+          <a:lstStyle/>
+          <a:p>
+            <a:pPr algn="ctr"/>
+            <a:endParaRPr lang="en-US"/>
+          </a:p>
+        </p:txBody>
+      </p:sp>
+      <p:pic>
+        <p:nvPicPr>
+          <p:cNvPr id="5" name="תמונה 4" descr="תמונה שמכילה טקסט, אוסף תמונות&#10;&#10;התיאור נוצר באופן אוטומטי">
+            <a:extLst>
+              <a:ext uri="{FF2B5EF4-FFF2-40B4-BE49-F238E27FC236}">
+                <a16:creationId xmlns:a16="http://schemas.microsoft.com/office/drawing/2014/main" id="{03B6821C-074A-41EB-AEEF-5C1E32FCB13B}"/>
+              </a:ext>
+            </a:extLst>
+          </p:cNvPr>
+          <p:cNvPicPr>
+            <a:picLocks noChangeAspect="1"/>
+          </p:cNvPicPr>
+          <p:nvPr/>
+        </p:nvPicPr>
+        <p:blipFill rotWithShape="1">
+          <a:blip r:embed="rId2">
+            <a:extLst>
+              <a:ext uri="{28A0092B-C50C-407E-A947-70E740481C1C}">
+                <a14:useLocalDpi xmlns:a14="http://schemas.microsoft.com/office/drawing/2010/main" val="0"/>
+              </a:ext>
+            </a:extLst>
+          </a:blip>
+          <a:srcRect l="15267" r="18511"/>
+          <a:stretch/>
+        </p:blipFill>
+        <p:spPr>
+          <a:xfrm>
+            <a:off x="20" y="10"/>
+            <a:ext cx="12191980" cy="6857990"/>
+          </a:xfrm>
+          <a:prstGeom prst="rect">
+            <a:avLst/>
+          </a:prstGeom>
+        </p:spPr>
+      </p:pic>
+    </p:spTree>
+    <p:extLst>
+      <p:ext uri="{BB962C8B-B14F-4D97-AF65-F5344CB8AC3E}">
+        <p14:creationId xmlns:p14="http://schemas.microsoft.com/office/powerpoint/2010/main" val="1425870598"/>
       </p:ext>
     </p:extLst>
   </p:cSld>
